--- a/한상웅-고객 요구사항 분석 서비스.pptx
+++ b/한상웅-고객 요구사항 분석 서비스.pptx
@@ -6578,7 +6578,7 @@
               <a:rPr lang="ko-KR" altLang="ko-KR" sz="1200" kern="100" dirty="0">
                 <a:cs typeface="Times New Roman" panose="02020603050405020304" pitchFamily="18" charset="0"/>
               </a:rPr>
-              <a:t>고객 요구사항을 월간 분석하여 시각화 하며</a:t>
+              <a:t>고객 요구사항을 분석하여 시각화 하며</a:t>
             </a:r>
             <a:r>
               <a:rPr lang="en-US" altLang="ko-KR" sz="1200" kern="100" dirty="0">
@@ -10872,11 +10872,12 @@
 </file>
 
 <file path=customXml/item1.xml><?xml version="1.0" encoding="utf-8"?>
-<p:properties xmlns:p="http://schemas.microsoft.com/office/2006/metadata/properties" xmlns:xsi="http://www.w3.org/2001/XMLSchema-instance" xmlns:pc="http://schemas.microsoft.com/office/infopath/2007/PartnerControls">
-  <documentManagement>
-    <MediaServiceKeyPoints xmlns="71af3243-3dd4-4a8d-8c0d-dd76da1f02a5" xsi:nil="true"/>
-  </documentManagement>
-</p:properties>
+<?mso-contentType ?>
+<FormTemplates xmlns="http://schemas.microsoft.com/sharepoint/v3/contenttype/forms">
+  <Display>DocumentLibraryForm</Display>
+  <Edit>DocumentLibraryForm</Edit>
+  <New>DocumentLibraryForm</New>
+</FormTemplates>
 </file>
 
 <file path=customXml/item2.xml><?xml version="1.0" encoding="utf-8"?>
@@ -11091,27 +11092,17 @@
 </file>
 
 <file path=customXml/item3.xml><?xml version="1.0" encoding="utf-8"?>
-<?mso-contentType ?>
-<FormTemplates xmlns="http://schemas.microsoft.com/sharepoint/v3/contenttype/forms">
-  <Display>DocumentLibraryForm</Display>
-  <Edit>DocumentLibraryForm</Edit>
-  <New>DocumentLibraryForm</New>
-</FormTemplates>
+<p:properties xmlns:p="http://schemas.microsoft.com/office/2006/metadata/properties" xmlns:xsi="http://www.w3.org/2001/XMLSchema-instance" xmlns:pc="http://schemas.microsoft.com/office/infopath/2007/PartnerControls">
+  <documentManagement>
+    <MediaServiceKeyPoints xmlns="71af3243-3dd4-4a8d-8c0d-dd76da1f02a5" xsi:nil="true"/>
+  </documentManagement>
+</p:properties>
 </file>
 
 <file path=customXml/itemProps1.xml><?xml version="1.0" encoding="utf-8"?>
-<ds:datastoreItem xmlns:ds="http://schemas.openxmlformats.org/officeDocument/2006/customXml" ds:itemID="{AA7F0652-397B-4F71-B75E-207A80EB2786}">
+<ds:datastoreItem xmlns:ds="http://schemas.openxmlformats.org/officeDocument/2006/customXml" ds:itemID="{D1CAB62D-49E5-4271-85C6-1466970BAB69}">
   <ds:schemaRefs>
-    <ds:schemaRef ds:uri="http://purl.org/dc/dcmitype/"/>
-    <ds:schemaRef ds:uri="http://schemas.microsoft.com/office/infopath/2007/PartnerControls"/>
-    <ds:schemaRef ds:uri="http://schemas.microsoft.com/office/2006/metadata/properties"/>
-    <ds:schemaRef ds:uri="http://schemas.microsoft.com/office/2006/documentManagement/types"/>
-    <ds:schemaRef ds:uri="http://purl.org/dc/terms/"/>
-    <ds:schemaRef ds:uri="http://schemas.openxmlformats.org/package/2006/metadata/core-properties"/>
-    <ds:schemaRef ds:uri="http://purl.org/dc/elements/1.1/"/>
-    <ds:schemaRef ds:uri="16c05727-aa75-4e4a-9b5f-8a80a1165891"/>
-    <ds:schemaRef ds:uri="71af3243-3dd4-4a8d-8c0d-dd76da1f02a5"/>
-    <ds:schemaRef ds:uri="http://www.w3.org/XML/1998/namespace"/>
+    <ds:schemaRef ds:uri="http://schemas.microsoft.com/sharepoint/v3/contenttype/forms"/>
   </ds:schemaRefs>
 </ds:datastoreItem>
 </file>
@@ -11136,9 +11127,18 @@
 </file>
 
 <file path=customXml/itemProps3.xml><?xml version="1.0" encoding="utf-8"?>
-<ds:datastoreItem xmlns:ds="http://schemas.openxmlformats.org/officeDocument/2006/customXml" ds:itemID="{D1CAB62D-49E5-4271-85C6-1466970BAB69}">
+<ds:datastoreItem xmlns:ds="http://schemas.openxmlformats.org/officeDocument/2006/customXml" ds:itemID="{AA7F0652-397B-4F71-B75E-207A80EB2786}">
   <ds:schemaRefs>
-    <ds:schemaRef ds:uri="http://schemas.microsoft.com/sharepoint/v3/contenttype/forms"/>
+    <ds:schemaRef ds:uri="http://purl.org/dc/dcmitype/"/>
+    <ds:schemaRef ds:uri="http://schemas.microsoft.com/office/infopath/2007/PartnerControls"/>
+    <ds:schemaRef ds:uri="http://schemas.microsoft.com/office/2006/metadata/properties"/>
+    <ds:schemaRef ds:uri="http://schemas.microsoft.com/office/2006/documentManagement/types"/>
+    <ds:schemaRef ds:uri="http://purl.org/dc/terms/"/>
+    <ds:schemaRef ds:uri="http://schemas.openxmlformats.org/package/2006/metadata/core-properties"/>
+    <ds:schemaRef ds:uri="http://purl.org/dc/elements/1.1/"/>
+    <ds:schemaRef ds:uri="16c05727-aa75-4e4a-9b5f-8a80a1165891"/>
+    <ds:schemaRef ds:uri="71af3243-3dd4-4a8d-8c0d-dd76da1f02a5"/>
+    <ds:schemaRef ds:uri="http://www.w3.org/XML/1998/namespace"/>
   </ds:schemaRefs>
 </ds:datastoreItem>
 </file>